--- a/Prezentacja.pptx
+++ b/Prezentacja.pptx
@@ -115,6 +115,11 @@
       </a:defRPr>
     </a:lvl9pPr>
   </p:defaultTextStyle>
+  <p:extLst>
+    <p:ext uri="{EFAFB233-063F-42B5-8137-9DF3F51BA10A}">
+      <p15:sldGuideLst xmlns:p15="http://schemas.microsoft.com/office/powerpoint/2012/main"/>
+    </p:ext>
+  </p:extLst>
 </p:presentation>
 </file>
 
@@ -346,7 +351,7 @@
           <a:p>
             <a:fld id="{02AC24A9-CCB6-4F8D-B8DB-C2F3692CFA5A}" type="datetimeFigureOut">
               <a:rPr lang="en-US" smtClean="0"/>
-              <a:t>1/8/2023</a:t>
+              <a:t>1/9/2023</a:t>
             </a:fld>
             <a:endParaRPr lang="en-US" dirty="0"/>
           </a:p>
@@ -554,7 +559,7 @@
           <a:p>
             <a:fld id="{02AC24A9-CCB6-4F8D-B8DB-C2F3692CFA5A}" type="datetimeFigureOut">
               <a:rPr lang="en-US" smtClean="0"/>
-              <a:t>1/8/2023</a:t>
+              <a:t>1/9/2023</a:t>
             </a:fld>
             <a:endParaRPr lang="en-US"/>
           </a:p>
@@ -812,7 +817,7 @@
           <a:p>
             <a:fld id="{02AC24A9-CCB6-4F8D-B8DB-C2F3692CFA5A}" type="datetimeFigureOut">
               <a:rPr lang="en-US" smtClean="0"/>
-              <a:t>1/8/2023</a:t>
+              <a:t>1/9/2023</a:t>
             </a:fld>
             <a:endParaRPr lang="en-US"/>
           </a:p>
@@ -982,7 +987,7 @@
           <a:p>
             <a:fld id="{02AC24A9-CCB6-4F8D-B8DB-C2F3692CFA5A}" type="datetimeFigureOut">
               <a:rPr lang="en-US" smtClean="0"/>
-              <a:t>1/8/2023</a:t>
+              <a:t>1/9/2023</a:t>
             </a:fld>
             <a:endParaRPr lang="en-US"/>
           </a:p>
@@ -1319,7 +1324,7 @@
           <a:p>
             <a:fld id="{02AC24A9-CCB6-4F8D-B8DB-C2F3692CFA5A}" type="datetimeFigureOut">
               <a:rPr lang="en-US" smtClean="0"/>
-              <a:t>1/8/2023</a:t>
+              <a:t>1/9/2023</a:t>
             </a:fld>
             <a:endParaRPr lang="en-US"/>
           </a:p>
@@ -1594,7 +1599,7 @@
           <a:p>
             <a:fld id="{02AC24A9-CCB6-4F8D-B8DB-C2F3692CFA5A}" type="datetimeFigureOut">
               <a:rPr lang="en-US" smtClean="0"/>
-              <a:t>1/8/2023</a:t>
+              <a:t>1/9/2023</a:t>
             </a:fld>
             <a:endParaRPr lang="en-US"/>
           </a:p>
@@ -1973,7 +1978,7 @@
           <a:p>
             <a:fld id="{02AC24A9-CCB6-4F8D-B8DB-C2F3692CFA5A}" type="datetimeFigureOut">
               <a:rPr lang="en-US" smtClean="0"/>
-              <a:t>1/8/2023</a:t>
+              <a:t>1/9/2023</a:t>
             </a:fld>
             <a:endParaRPr lang="en-US"/>
           </a:p>
@@ -2091,7 +2096,7 @@
           <a:p>
             <a:fld id="{02AC24A9-CCB6-4F8D-B8DB-C2F3692CFA5A}" type="datetimeFigureOut">
               <a:rPr lang="en-US" smtClean="0"/>
-              <a:t>1/8/2023</a:t>
+              <a:t>1/9/2023</a:t>
             </a:fld>
             <a:endParaRPr lang="en-US"/>
           </a:p>
@@ -2264,7 +2269,7 @@
           <a:p>
             <a:fld id="{02AC24A9-CCB6-4F8D-B8DB-C2F3692CFA5A}" type="datetimeFigureOut">
               <a:rPr lang="en-US" smtClean="0"/>
-              <a:t>1/8/2023</a:t>
+              <a:t>1/9/2023</a:t>
             </a:fld>
             <a:endParaRPr lang="en-US"/>
           </a:p>
@@ -2620,7 +2625,7 @@
           <a:p>
             <a:fld id="{02AC24A9-CCB6-4F8D-B8DB-C2F3692CFA5A}" type="datetimeFigureOut">
               <a:rPr lang="en-US" smtClean="0"/>
-              <a:t>1/8/2023</a:t>
+              <a:t>1/9/2023</a:t>
             </a:fld>
             <a:endParaRPr lang="en-US" dirty="0"/>
           </a:p>
@@ -2999,7 +3004,7 @@
           <a:p>
             <a:fld id="{02AC24A9-CCB6-4F8D-B8DB-C2F3692CFA5A}" type="datetimeFigureOut">
               <a:rPr lang="en-US" smtClean="0"/>
-              <a:t>1/8/2023</a:t>
+              <a:t>1/9/2023</a:t>
             </a:fld>
             <a:endParaRPr lang="en-US"/>
           </a:p>
@@ -3288,7 +3293,7 @@
           <a:p>
             <a:fld id="{02AC24A9-CCB6-4F8D-B8DB-C2F3692CFA5A}" type="datetimeFigureOut">
               <a:rPr lang="en-US" smtClean="0"/>
-              <a:t>1/8/2023</a:t>
+              <a:t>1/9/2023</a:t>
             </a:fld>
             <a:endParaRPr lang="en-US"/>
           </a:p>
@@ -4309,8 +4314,13 @@
           <a:p>
             <a:r>
               <a:rPr lang="pl-PL" dirty="0"/>
-              <a:t>Linki</a:t>
-            </a:r>
+              <a:t>Linki i informacje </a:t>
+            </a:r>
+            <a:r>
+              <a:rPr lang="pl-PL"/>
+              <a:t>o urządzeniach</a:t>
+            </a:r>
+            <a:endParaRPr lang="pl-PL" dirty="0"/>
           </a:p>
         </p:txBody>
       </p:sp>
@@ -4332,8 +4342,8 @@
         </p:nvSpPr>
         <p:spPr>
           <a:xfrm>
-            <a:off x="1162050" y="1892084"/>
-            <a:ext cx="9963150" cy="1536916"/>
+            <a:off x="1162050" y="1892083"/>
+            <a:ext cx="9963150" cy="3971305"/>
           </a:xfrm>
         </p:spPr>
         <p:txBody>
@@ -4372,7 +4382,47 @@
             <a:pPr marL="0" indent="0">
               <a:buNone/>
             </a:pPr>
-            <a:endParaRPr lang="pl-PL" sz="2000" dirty="0"/>
+            <a:endParaRPr lang="pl-PL" dirty="0"/>
+          </a:p>
+          <a:p>
+            <a:pPr marL="0" indent="0">
+              <a:buNone/>
+            </a:pPr>
+            <a:r>
+              <a:rPr lang="pl-PL" dirty="0"/>
+              <a:t>W mailu o potwierdzeniu logowania oprócz linku znajduję się też informacja o urządzeniu i lokalizacji z którego próbowano się zalogować.</a:t>
+            </a:r>
+          </a:p>
+          <a:p>
+            <a:pPr marL="0" indent="0">
+              <a:buNone/>
+            </a:pPr>
+            <a:endParaRPr lang="pl-PL" dirty="0"/>
+          </a:p>
+          <a:p>
+            <a:pPr marL="0" indent="0">
+              <a:buNone/>
+            </a:pPr>
+            <a:r>
+              <a:rPr lang="pl-PL" sz="2000" dirty="0"/>
+              <a:t>Informacje o lokalizacji są uzyskiwane za pomocą IP oraz IP </a:t>
+            </a:r>
+            <a:r>
+              <a:rPr lang="pl-PL" sz="2000" dirty="0" err="1"/>
+              <a:t>Geolocation</a:t>
+            </a:r>
+            <a:r>
+              <a:rPr lang="pl-PL" sz="2000" dirty="0"/>
+              <a:t> API od </a:t>
+            </a:r>
+            <a:r>
+              <a:rPr lang="pl-PL" sz="2000" dirty="0" err="1"/>
+              <a:t>WhoisXMLAPI</a:t>
+            </a:r>
+            <a:r>
+              <a:rPr lang="pl-PL" sz="2000" dirty="0"/>
+              <a:t> (darmowy Trial – 1000 zapytań)</a:t>
+            </a:r>
           </a:p>
           <a:p>
             <a:pPr marL="0" indent="0">
@@ -4560,8 +4610,21 @@
             </a:pPr>
             <a:r>
               <a:rPr lang="pl-PL" dirty="0"/>
-              <a:t> Dopisuję domenę ”safenotes.com” </a:t>
-            </a:r>
+              <a:t> Dopisuję domenę ”safenotes.com” do /</a:t>
+            </a:r>
+            <a:r>
+              <a:rPr lang="pl-PL" dirty="0" err="1"/>
+              <a:t>etc</a:t>
+            </a:r>
+            <a:r>
+              <a:rPr lang="pl-PL" dirty="0"/>
+              <a:t>/</a:t>
+            </a:r>
+            <a:r>
+              <a:rPr lang="pl-PL" dirty="0" err="1"/>
+              <a:t>hosts</a:t>
+            </a:r>
+            <a:endParaRPr lang="pl-PL" dirty="0"/>
           </a:p>
           <a:p>
             <a:pPr>
